--- a/units/unit04_procif/procif.pptx
+++ b/units/unit04_procif/procif.pptx
@@ -255,7 +255,7 @@
           <a:p>
             <a:fld id="{B7D6DDD3-D7E9-488B-B626-1E8285E424D8}" type="datetimeFigureOut">
               <a:rPr lang="en-US" smtClean="0"/>
-              <a:t>1/14/2026</a:t>
+              <a:t>2/5/2026</a:t>
             </a:fld>
             <a:endParaRPr lang="en-US"/>
           </a:p>
@@ -4056,7 +4056,7 @@
           <a:p>
             <a:r>
               <a:rPr lang="en-US" sz="6600" dirty="0"/>
-              <a:t>Unit 2 </a:t>
+              <a:t>Unit 4 </a:t>
             </a:r>
             <a:br>
               <a:rPr lang="en-US" sz="6600" dirty="0"/>
@@ -5707,8 +5707,8 @@
           </a:p>
         </p:txBody>
       </p:sp>
-      <mc:AlternateContent xmlns:mc="http://schemas.openxmlformats.org/markup-compatibility/2006">
-        <mc:Choice xmlns:a14="http://schemas.microsoft.com/office/drawing/2010/main" Requires="a14">
+      <mc:AlternateContent xmlns:mc="http://schemas.openxmlformats.org/markup-compatibility/2006" xmlns:a14="http://schemas.microsoft.com/office/drawing/2010/main">
+        <mc:Choice Requires="a14">
           <p:sp>
             <p:nvSpPr>
               <p:cNvPr id="3" name="Content Placeholder 2">
@@ -6113,7 +6113,7 @@
             </p:txBody>
           </p:sp>
         </mc:Choice>
-        <mc:Fallback>
+        <mc:Fallback xmlns="">
           <p:sp>
             <p:nvSpPr>
               <p:cNvPr id="3" name="Content Placeholder 2">
@@ -24822,8 +24822,8 @@
           </a:p>
         </p:txBody>
       </p:sp>
-      <mc:AlternateContent xmlns:mc="http://schemas.openxmlformats.org/markup-compatibility/2006">
-        <mc:Choice xmlns:a14="http://schemas.microsoft.com/office/drawing/2010/main" Requires="a14">
+      <mc:AlternateContent xmlns:mc="http://schemas.openxmlformats.org/markup-compatibility/2006" xmlns:a14="http://schemas.microsoft.com/office/drawing/2010/main">
+        <mc:Choice Requires="a14">
           <p:sp>
             <p:nvSpPr>
               <p:cNvPr id="3" name="Content Placeholder 2">
@@ -25053,7 +25053,7 @@
             </p:txBody>
           </p:sp>
         </mc:Choice>
-        <mc:Fallback>
+        <mc:Fallback xmlns="">
           <p:sp>
             <p:nvSpPr>
               <p:cNvPr id="3" name="Content Placeholder 2">
@@ -34003,8 +34003,8 @@
           </a:p>
         </p:txBody>
       </p:sp>
-      <mc:AlternateContent xmlns:mc="http://schemas.openxmlformats.org/markup-compatibility/2006">
-        <mc:Choice xmlns:a14="http://schemas.microsoft.com/office/drawing/2010/main" Requires="a14">
+      <mc:AlternateContent xmlns:mc="http://schemas.openxmlformats.org/markup-compatibility/2006" xmlns:a14="http://schemas.microsoft.com/office/drawing/2010/main">
+        <mc:Choice Requires="a14">
           <p:sp>
             <p:nvSpPr>
               <p:cNvPr id="3" name="Content Placeholder 2">
@@ -34120,7 +34120,7 @@
             </p:txBody>
           </p:sp>
         </mc:Choice>
-        <mc:Fallback>
+        <mc:Fallback xmlns="">
           <p:sp>
             <p:nvSpPr>
               <p:cNvPr id="3" name="Content Placeholder 2">
